--- a/ankus_ppt_template.pptx
+++ b/ankus_ppt_template.pptx
@@ -114,7 +114,7 @@
   </p:defaultTextStyle>
   <p:extLst>
     <p:ext uri="{EFAFB233-063F-42B5-8137-9DF3F51BA10A}">
-      <p15:sldGuideLst xmlns:p15="http://schemas.microsoft.com/office/powerpoint/2012/main">
+      <p15:sldGuideLst xmlns:p15="http://schemas.microsoft.com/office/powerpoint/2012/main" xmlns="">
         <p15:guide id="1" orient="horz" pos="4110">
           <p15:clr>
             <a:srgbClr val="A4A3A4"/>
@@ -163,7 +163,7 @@
       </p15:sldGuideLst>
     </p:ext>
     <p:ext uri="{2D200454-40CA-4A62-9FC3-DE9A4176ACB9}">
-      <p15:notesGuideLst xmlns:p15="http://schemas.microsoft.com/office/powerpoint/2012/main">
+      <p15:notesGuideLst xmlns:p15="http://schemas.microsoft.com/office/powerpoint/2012/main" xmlns="">
         <p15:guide id="1" orient="horz" pos="3125" userDrawn="1">
           <p15:clr>
             <a:srgbClr val="A4A3A4"/>
@@ -273,7 +273,7 @@
             <a:fld id="{6DA2E849-AF27-453A-BC43-06C5F5F2206E}" type="datetimeFigureOut">
               <a:rPr lang="ko-KR" altLang="en-US" smtClean="0"/>
               <a:pPr/>
-              <a:t>2018-09-28</a:t>
+              <a:t>2018-10-08</a:t>
             </a:fld>
             <a:endParaRPr lang="ko-KR" altLang="en-US" dirty="0"/>
           </a:p>
@@ -349,7 +349,7 @@
     </p:spTree>
     <p:extLst>
       <p:ext uri="{BB962C8B-B14F-4D97-AF65-F5344CB8AC3E}">
-        <p14:creationId xmlns:p14="http://schemas.microsoft.com/office/powerpoint/2010/main" val="3002284321"/>
+        <p14:creationId xmlns:p14="http://schemas.microsoft.com/office/powerpoint/2010/main" xmlns="" val="3002284321"/>
       </p:ext>
     </p:extLst>
   </p:cSld>
@@ -440,7 +440,7 @@
             <a:fld id="{227CE259-9B0C-4220-89D0-89CDE6778022}" type="datetimeFigureOut">
               <a:rPr lang="ko-KR" altLang="en-US" smtClean="0"/>
               <a:pPr/>
-              <a:t>2018-09-28</a:t>
+              <a:t>2018-10-08</a:t>
             </a:fld>
             <a:endParaRPr lang="ko-KR" altLang="en-US" dirty="0"/>
           </a:p>
@@ -608,7 +608,7 @@
     </p:spTree>
     <p:extLst>
       <p:ext uri="{BB962C8B-B14F-4D97-AF65-F5344CB8AC3E}">
-        <p14:creationId xmlns:p14="http://schemas.microsoft.com/office/powerpoint/2010/main" val="606196760"/>
+        <p14:creationId xmlns:p14="http://schemas.microsoft.com/office/powerpoint/2010/main" xmlns="" val="606196760"/>
       </p:ext>
     </p:extLst>
   </p:cSld>
@@ -785,7 +785,7 @@
     </p:spTree>
     <p:extLst>
       <p:ext uri="{BB962C8B-B14F-4D97-AF65-F5344CB8AC3E}">
-        <p14:creationId xmlns:p14="http://schemas.microsoft.com/office/powerpoint/2010/main" val="1308517541"/>
+        <p14:creationId xmlns:p14="http://schemas.microsoft.com/office/powerpoint/2010/main" xmlns="" val="1308517541"/>
       </p:ext>
     </p:extLst>
   </p:cSld>
@@ -960,7 +960,7 @@
           <a:blip r:embed="rId2" cstate="print">
             <a:extLst>
               <a:ext uri="{28A0092B-C50C-407E-A947-70E740481C1C}">
-                <a14:useLocalDpi xmlns:a14="http://schemas.microsoft.com/office/drawing/2010/main" val="0"/>
+                <a14:useLocalDpi xmlns:a14="http://schemas.microsoft.com/office/drawing/2010/main" xmlns="" val="0"/>
               </a:ext>
             </a:extLst>
           </a:blip>
@@ -980,7 +980,7 @@
           <a:noFill/>
           <a:extLst>
             <a:ext uri="{909E8E84-426E-40DD-AFC4-6F175D3DCCD1}">
-              <a14:hiddenFill xmlns:a14="http://schemas.microsoft.com/office/drawing/2010/main">
+              <a14:hiddenFill xmlns:a14="http://schemas.microsoft.com/office/drawing/2010/main" xmlns="">
                 <a:solidFill>
                   <a:srgbClr val="FFFFFF"/>
                 </a:solidFill>
@@ -1205,7 +1205,7 @@
           <a:blip r:embed="rId2" cstate="print">
             <a:extLst>
               <a:ext uri="{28A0092B-C50C-407E-A947-70E740481C1C}">
-                <a14:useLocalDpi xmlns:a14="http://schemas.microsoft.com/office/drawing/2010/main" val="0"/>
+                <a14:useLocalDpi xmlns:a14="http://schemas.microsoft.com/office/drawing/2010/main" xmlns="" val="0"/>
               </a:ext>
             </a:extLst>
           </a:blip>
@@ -1225,7 +1225,7 @@
           <a:noFill/>
           <a:extLst>
             <a:ext uri="{909E8E84-426E-40DD-AFC4-6F175D3DCCD1}">
-              <a14:hiddenFill xmlns:a14="http://schemas.microsoft.com/office/drawing/2010/main">
+              <a14:hiddenFill xmlns:a14="http://schemas.microsoft.com/office/drawing/2010/main" xmlns="">
                 <a:solidFill>
                   <a:srgbClr val="FFFFFF"/>
                 </a:solidFill>
@@ -1237,7 +1237,7 @@
     </p:spTree>
     <p:extLst>
       <p:ext uri="{BB962C8B-B14F-4D97-AF65-F5344CB8AC3E}">
-        <p14:creationId xmlns:p14="http://schemas.microsoft.com/office/powerpoint/2010/main" val="320725349"/>
+        <p14:creationId xmlns:p14="http://schemas.microsoft.com/office/powerpoint/2010/main" xmlns="" val="320725349"/>
       </p:ext>
     </p:extLst>
   </p:cSld>
@@ -1415,7 +1415,7 @@
           <a:blip r:embed="rId2" cstate="print">
             <a:extLst>
               <a:ext uri="{28A0092B-C50C-407E-A947-70E740481C1C}">
-                <a14:useLocalDpi xmlns:a14="http://schemas.microsoft.com/office/drawing/2010/main" val="0"/>
+                <a14:useLocalDpi xmlns:a14="http://schemas.microsoft.com/office/drawing/2010/main" xmlns="" val="0"/>
               </a:ext>
             </a:extLst>
           </a:blip>
@@ -1435,7 +1435,7 @@
           <a:noFill/>
           <a:extLst>
             <a:ext uri="{909E8E84-426E-40DD-AFC4-6F175D3DCCD1}">
-              <a14:hiddenFill xmlns:a14="http://schemas.microsoft.com/office/drawing/2010/main">
+              <a14:hiddenFill xmlns:a14="http://schemas.microsoft.com/office/drawing/2010/main" xmlns="">
                 <a:solidFill>
                   <a:srgbClr val="FFFFFF"/>
                 </a:solidFill>
@@ -1447,7 +1447,7 @@
     </p:spTree>
     <p:extLst>
       <p:ext uri="{BB962C8B-B14F-4D97-AF65-F5344CB8AC3E}">
-        <p14:creationId xmlns:p14="http://schemas.microsoft.com/office/powerpoint/2010/main" val="2831771090"/>
+        <p14:creationId xmlns:p14="http://schemas.microsoft.com/office/powerpoint/2010/main" xmlns="" val="2831771090"/>
       </p:ext>
     </p:extLst>
   </p:cSld>
@@ -1989,10 +1989,6 @@
                 <a:spcPct val="150000"/>
               </a:lnSpc>
             </a:pPr>
-            <a:r>
-              <a:rPr lang="ko-KR" altLang="en-US" sz="3200" dirty="0" err="1"/>
-              <a:t>주제명</a:t>
-            </a:r>
             <a:endParaRPr lang="ko-KR" altLang="en-US" sz="3200" dirty="0"/>
           </a:p>
         </p:txBody>
@@ -2009,8 +2005,8 @@
         </p:nvSpPr>
         <p:spPr>
           <a:xfrm>
-            <a:off x="4932041" y="4437112"/>
-            <a:ext cx="4211960" cy="2088232"/>
+            <a:off x="2915816" y="4437112"/>
+            <a:ext cx="6228185" cy="2088232"/>
           </a:xfrm>
         </p:spPr>
         <p:txBody>
@@ -2025,8 +2021,28 @@
               </a:spcAft>
             </a:pPr>
             <a:r>
-              <a:rPr lang="ko-KR" altLang="en-US" sz="2000" dirty="0" err="1"/>
+              <a:rPr lang="ko-KR" altLang="en-US" sz="2000" dirty="0" err="1" smtClean="0"/>
               <a:t>팀명</a:t>
+            </a:r>
+            <a:r>
+              <a:rPr lang="ko-KR" altLang="en-US" sz="2000" dirty="0" smtClean="0"/>
+              <a:t> </a:t>
+            </a:r>
+            <a:r>
+              <a:rPr lang="en-US" altLang="ko-KR" sz="2000" dirty="0" smtClean="0"/>
+              <a:t>: </a:t>
+            </a:r>
+            <a:r>
+              <a:rPr lang="ko-KR" altLang="en-US" sz="2000" dirty="0" err="1" smtClean="0"/>
+              <a:t>앵커스</a:t>
+            </a:r>
+            <a:r>
+              <a:rPr lang="ko-KR" altLang="en-US" sz="2000" dirty="0" smtClean="0"/>
+              <a:t> </a:t>
+            </a:r>
+            <a:r>
+              <a:rPr lang="ko-KR" altLang="en-US" sz="2000" dirty="0" err="1" smtClean="0"/>
+              <a:t>커밋봇</a:t>
             </a:r>
             <a:endParaRPr lang="en-US" altLang="ko-KR" sz="2000" dirty="0"/>
           </a:p>
@@ -2037,35 +2053,53 @@
               </a:spcAft>
             </a:pPr>
             <a:r>
-              <a:rPr lang="ko-KR" altLang="en-US" sz="2000" dirty="0"/>
-              <a:t>팀원</a:t>
-            </a:r>
-            <a:r>
-              <a:rPr lang="en-US" altLang="ko-KR" sz="2000" dirty="0"/>
-              <a:t>1</a:t>
-            </a:r>
-          </a:p>
-          <a:p>
-            <a:pPr>
-              <a:spcAft>
-                <a:spcPts val="1000"/>
-              </a:spcAft>
-            </a:pPr>
-            <a:r>
-              <a:rPr lang="ko-KR" altLang="en-US" sz="2000" dirty="0"/>
-              <a:t>팀원</a:t>
-            </a:r>
-            <a:r>
-              <a:rPr lang="en-US" altLang="ko-KR" sz="2000" dirty="0"/>
-              <a:t>2</a:t>
-            </a:r>
+              <a:rPr lang="ko-KR" altLang="en-US" sz="2000" dirty="0" smtClean="0"/>
+              <a:t>팀원 </a:t>
+            </a:r>
+            <a:r>
+              <a:rPr lang="en-US" altLang="ko-KR" sz="2000" dirty="0" smtClean="0"/>
+              <a:t>: </a:t>
+            </a:r>
+            <a:r>
+              <a:rPr lang="ko-KR" altLang="en-US" sz="2000" dirty="0" err="1" smtClean="0"/>
+              <a:t>한희망</a:t>
+            </a:r>
+            <a:r>
+              <a:rPr lang="en-US" altLang="ko-KR" sz="2000" dirty="0" smtClean="0"/>
+              <a:t>, </a:t>
+            </a:r>
+            <a:r>
+              <a:rPr lang="ko-KR" altLang="en-US" sz="2000" dirty="0" smtClean="0"/>
+              <a:t>김문성</a:t>
+            </a:r>
+            <a:r>
+              <a:rPr lang="en-US" altLang="ko-KR" sz="2000" dirty="0" smtClean="0"/>
+              <a:t>, </a:t>
+            </a:r>
+            <a:r>
+              <a:rPr lang="ko-KR" altLang="en-US" sz="2000" dirty="0" smtClean="0"/>
+              <a:t>유태우</a:t>
+            </a:r>
+            <a:r>
+              <a:rPr lang="en-US" altLang="ko-KR" sz="2000" dirty="0" smtClean="0"/>
+              <a:t>, </a:t>
+            </a:r>
+            <a:r>
+              <a:rPr lang="ko-KR" altLang="en-US" sz="2000" dirty="0" smtClean="0"/>
+              <a:t>최이준</a:t>
+            </a:r>
+            <a:r>
+              <a:rPr lang="en-US" altLang="ko-KR" sz="2000" dirty="0" smtClean="0"/>
+              <a:t> </a:t>
+            </a:r>
+            <a:endParaRPr lang="en-US" altLang="ko-KR" sz="2000" dirty="0"/>
           </a:p>
         </p:txBody>
       </p:sp>
     </p:spTree>
     <p:extLst>
       <p:ext uri="{BB962C8B-B14F-4D97-AF65-F5344CB8AC3E}">
-        <p14:creationId xmlns:p14="http://schemas.microsoft.com/office/powerpoint/2010/main" val="3471774030"/>
+        <p14:creationId xmlns:p14="http://schemas.microsoft.com/office/powerpoint/2010/main" xmlns="" val="3471774030"/>
       </p:ext>
     </p:extLst>
   </p:cSld>
@@ -2157,7 +2191,7 @@
     </p:spTree>
     <p:extLst>
       <p:ext uri="{BB962C8B-B14F-4D97-AF65-F5344CB8AC3E}">
-        <p14:creationId xmlns:p14="http://schemas.microsoft.com/office/powerpoint/2010/main" val="3685282016"/>
+        <p14:creationId xmlns:p14="http://schemas.microsoft.com/office/powerpoint/2010/main" xmlns="" val="3685282016"/>
       </p:ext>
     </p:extLst>
   </p:cSld>
@@ -2245,7 +2279,7 @@
     </p:spTree>
     <p:extLst>
       <p:ext uri="{BB962C8B-B14F-4D97-AF65-F5344CB8AC3E}">
-        <p14:creationId xmlns:p14="http://schemas.microsoft.com/office/powerpoint/2010/main" val="47218581"/>
+        <p14:creationId xmlns:p14="http://schemas.microsoft.com/office/powerpoint/2010/main" xmlns="" val="47218581"/>
       </p:ext>
     </p:extLst>
   </p:cSld>
